--- a/new_SE401/Lectures/10-Advanced Topics/Advanced Topics.pptx
+++ b/new_SE401/Lectures/10-Advanced Topics/Advanced Topics.pptx
@@ -320,7 +320,7 @@
           <a:p>
             <a:fld id="{B2F5E2FA-C428-4CE7-95B0-168D3259A5BB}" type="datetimeFigureOut">
               <a:rPr lang="en-US" smtClean="0"/>
-              <a:t>10/18/2021</a:t>
+              <a:t>11/28/2021</a:t>
             </a:fld>
             <a:endParaRPr lang="en-US"/>
           </a:p>
@@ -571,7 +571,7 @@
           <a:p>
             <a:fld id="{B2F5E2FA-C428-4CE7-95B0-168D3259A5BB}" type="datetimeFigureOut">
               <a:rPr lang="en-US" smtClean="0"/>
-              <a:t>10/18/2021</a:t>
+              <a:t>11/28/2021</a:t>
             </a:fld>
             <a:endParaRPr lang="en-US"/>
           </a:p>
@@ -751,7 +751,7 @@
           <a:p>
             <a:fld id="{B2F5E2FA-C428-4CE7-95B0-168D3259A5BB}" type="datetimeFigureOut">
               <a:rPr lang="en-US" smtClean="0"/>
-              <a:t>10/18/2021</a:t>
+              <a:t>11/28/2021</a:t>
             </a:fld>
             <a:endParaRPr lang="en-US"/>
           </a:p>
@@ -1007,7 +1007,7 @@
           <a:p>
             <a:fld id="{B2F5E2FA-C428-4CE7-95B0-168D3259A5BB}" type="datetimeFigureOut">
               <a:rPr lang="en-US" smtClean="0"/>
-              <a:t>10/18/2021</a:t>
+              <a:t>11/28/2021</a:t>
             </a:fld>
             <a:endParaRPr lang="en-US"/>
           </a:p>
@@ -1352,7 +1352,7 @@
           <a:p>
             <a:fld id="{B2F5E2FA-C428-4CE7-95B0-168D3259A5BB}" type="datetimeFigureOut">
               <a:rPr lang="en-US" smtClean="0"/>
-              <a:t>10/18/2021</a:t>
+              <a:t>11/28/2021</a:t>
             </a:fld>
             <a:endParaRPr lang="en-US"/>
           </a:p>
@@ -1584,7 +1584,7 @@
           <a:p>
             <a:fld id="{B2F5E2FA-C428-4CE7-95B0-168D3259A5BB}" type="datetimeFigureOut">
               <a:rPr lang="en-US" smtClean="0"/>
-              <a:t>10/18/2021</a:t>
+              <a:t>11/28/2021</a:t>
             </a:fld>
             <a:endParaRPr lang="en-US"/>
           </a:p>
@@ -1951,7 +1951,7 @@
           <a:p>
             <a:fld id="{B2F5E2FA-C428-4CE7-95B0-168D3259A5BB}" type="datetimeFigureOut">
               <a:rPr lang="en-US" smtClean="0"/>
-              <a:t>10/18/2021</a:t>
+              <a:t>11/28/2021</a:t>
             </a:fld>
             <a:endParaRPr lang="en-US"/>
           </a:p>
@@ -2046,7 +2046,7 @@
           <a:p>
             <a:fld id="{B2F5E2FA-C428-4CE7-95B0-168D3259A5BB}" type="datetimeFigureOut">
               <a:rPr lang="en-US" smtClean="0"/>
-              <a:t>10/18/2021</a:t>
+              <a:t>11/28/2021</a:t>
             </a:fld>
             <a:endParaRPr lang="en-US"/>
           </a:p>
@@ -2269,7 +2269,7 @@
             <a:fld id="{B2F5E2FA-C428-4CE7-95B0-168D3259A5BB}" type="datetimeFigureOut">
               <a:rPr lang="en-US" smtClean="0"/>
               <a:pPr/>
-              <a:t>10/18/2021</a:t>
+              <a:t>11/28/2021</a:t>
             </a:fld>
             <a:endParaRPr lang="en-US"/>
           </a:p>
@@ -2440,7 +2440,7 @@
           <a:p>
             <a:fld id="{B2F5E2FA-C428-4CE7-95B0-168D3259A5BB}" type="datetimeFigureOut">
               <a:rPr lang="en-US" smtClean="0"/>
-              <a:t>10/18/2021</a:t>
+              <a:t>11/28/2021</a:t>
             </a:fld>
             <a:endParaRPr lang="en-US"/>
           </a:p>
@@ -2717,7 +2717,7 @@
           <a:p>
             <a:fld id="{B2F5E2FA-C428-4CE7-95B0-168D3259A5BB}" type="datetimeFigureOut">
               <a:rPr lang="en-US" smtClean="0"/>
-              <a:t>10/18/2021</a:t>
+              <a:t>11/28/2021</a:t>
             </a:fld>
             <a:endParaRPr lang="en-US"/>
           </a:p>
@@ -2970,7 +2970,7 @@
           <a:p>
             <a:fld id="{B2F5E2FA-C428-4CE7-95B0-168D3259A5BB}" type="datetimeFigureOut">
               <a:rPr lang="en-US" smtClean="0"/>
-              <a:t>10/18/2021</a:t>
+              <a:t>11/28/2021</a:t>
             </a:fld>
             <a:endParaRPr lang="en-US"/>
           </a:p>
@@ -3183,7 +3183,7 @@
           <a:p>
             <a:fld id="{B2F5E2FA-C428-4CE7-95B0-168D3259A5BB}" type="datetimeFigureOut">
               <a:rPr lang="en-US" smtClean="0"/>
-              <a:t>10/18/2021</a:t>
+              <a:t>11/28/2021</a:t>
             </a:fld>
             <a:endParaRPr lang="en-US"/>
           </a:p>
@@ -3627,8 +3627,8 @@
           <a:lstStyle/>
           <a:p>
             <a:r>
-              <a:rPr lang="en-US" dirty="0" smtClean="0"/>
-              <a:t>Chapter 10</a:t>
+              <a:rPr lang="en-US"/>
+              <a:t>SE401: Software Quality Assurance and Testing</a:t>
             </a:r>
             <a:endParaRPr lang="en-US" dirty="0"/>
           </a:p>
@@ -3859,7 +3859,7 @@
           <a:noFill/>
           <a:extLst>
             <a:ext uri="{909E8E84-426E-40dd-AFC4-6F175D3DCCD1}">
-              <a14:hiddenFill xmlns="" xmlns:a14="http://schemas.microsoft.com/office/drawing/2010/main">
+              <a14:hiddenFill xmlns:a14="http://schemas.microsoft.com/office/drawing/2010/main" xmlns="">
                 <a:solidFill>
                   <a:srgbClr val="FFFFFF"/>
                 </a:solidFill>
@@ -4493,7 +4493,7 @@
           </a:ln>
           <a:extLst>
             <a:ext uri="{909E8E84-426E-40dd-AFC4-6F175D3DCCD1}">
-              <a14:hiddenFill xmlns="" xmlns:a14="http://schemas.microsoft.com/office/drawing/2010/main">
+              <a14:hiddenFill xmlns:a14="http://schemas.microsoft.com/office/drawing/2010/main" xmlns="">
                 <a:solidFill>
                   <a:srgbClr val="FFFFFF"/>
                 </a:solidFill>
@@ -4798,7 +4798,7 @@
           <a:noFill/>
           <a:extLst>
             <a:ext uri="{909E8E84-426E-40dd-AFC4-6F175D3DCCD1}">
-              <a14:hiddenFill xmlns="" xmlns:a14="http://schemas.microsoft.com/office/drawing/2010/main">
+              <a14:hiddenFill xmlns:a14="http://schemas.microsoft.com/office/drawing/2010/main" xmlns="">
                 <a:solidFill>
                   <a:srgbClr val="FFFFFF"/>
                 </a:solidFill>
@@ -5747,7 +5747,6 @@
               <a:rPr lang="en-US" dirty="0"/>
               <a:t>to the fields in the forms.</a:t>
             </a:r>
-            <a:endParaRPr lang="en-US" dirty="0"/>
           </a:p>
         </p:txBody>
       </p:sp>
@@ -5812,7 +5811,7 @@
           <a:noFill/>
           <a:extLst>
             <a:ext uri="{909E8E84-426E-40dd-AFC4-6F175D3DCCD1}">
-              <a14:hiddenFill xmlns="" xmlns:a14="http://schemas.microsoft.com/office/drawing/2010/main">
+              <a14:hiddenFill xmlns:a14="http://schemas.microsoft.com/office/drawing/2010/main" xmlns="">
                 <a:solidFill>
                   <a:srgbClr val="FFFFFF"/>
                 </a:solidFill>
@@ -6092,7 +6091,7 @@
           <a:noFill/>
           <a:extLst>
             <a:ext uri="{909E8E84-426E-40dd-AFC4-6F175D3DCCD1}">
-              <a14:hiddenFill xmlns="" xmlns:a14="http://schemas.microsoft.com/office/drawing/2010/main">
+              <a14:hiddenFill xmlns:a14="http://schemas.microsoft.com/office/drawing/2010/main" xmlns="">
                 <a:solidFill>
                   <a:srgbClr val="FFFFFF"/>
                 </a:solidFill>
@@ -6549,7 +6548,7 @@
           <a:noFill/>
           <a:extLst>
             <a:ext uri="{909E8E84-426E-40dd-AFC4-6F175D3DCCD1}">
-              <a14:hiddenFill xmlns="" xmlns:a14="http://schemas.microsoft.com/office/drawing/2010/main">
+              <a14:hiddenFill xmlns:a14="http://schemas.microsoft.com/office/drawing/2010/main" xmlns="">
                 <a:solidFill>
                   <a:srgbClr val="FFFFFF"/>
                 </a:solidFill>
@@ -8926,7 +8925,7 @@
           <a:noFill/>
           <a:extLst>
             <a:ext uri="{909E8E84-426E-40dd-AFC4-6F175D3DCCD1}">
-              <a14:hiddenFill xmlns="" xmlns:a14="http://schemas.microsoft.com/office/drawing/2010/main">
+              <a14:hiddenFill xmlns:a14="http://schemas.microsoft.com/office/drawing/2010/main" xmlns="">
                 <a:solidFill>
                   <a:srgbClr val="FFFFFF"/>
                 </a:solidFill>
@@ -14906,7 +14905,7 @@
           <a:noFill/>
           <a:extLst>
             <a:ext uri="{909E8E84-426E-40dd-AFC4-6F175D3DCCD1}">
-              <a14:hiddenFill xmlns:a14="http://schemas.microsoft.com/office/drawing/2010/main" xmlns="">
+              <a14:hiddenFill xmlns="" xmlns:a14="http://schemas.microsoft.com/office/drawing/2010/main">
                 <a:solidFill>
                   <a:srgbClr val="FFFFFF"/>
                 </a:solidFill>
@@ -15053,7 +15052,7 @@
           <a:noFill/>
           <a:extLst>
             <a:ext uri="{909E8E84-426E-40dd-AFC4-6F175D3DCCD1}">
-              <a14:hiddenFill xmlns:a14="http://schemas.microsoft.com/office/drawing/2010/main" xmlns="">
+              <a14:hiddenFill xmlns="" xmlns:a14="http://schemas.microsoft.com/office/drawing/2010/main">
                 <a:solidFill>
                   <a:srgbClr val="FFFFFF"/>
                 </a:solidFill>
@@ -16228,7 +16227,6 @@
               <a:rPr lang="en-US" dirty="0"/>
               <a:t>Mobile vs Mobile Application Testing</a:t>
             </a:r>
-            <a:endParaRPr lang="en-US" dirty="0"/>
           </a:p>
         </p:txBody>
       </p:sp>
@@ -16389,7 +16387,7 @@
           <a:noFill/>
           <a:extLst>
             <a:ext uri="{909E8E84-426E-40dd-AFC4-6F175D3DCCD1}">
-              <a14:hiddenFill xmlns:a14="http://schemas.microsoft.com/office/drawing/2010/main" xmlns="">
+              <a14:hiddenFill xmlns="" xmlns:a14="http://schemas.microsoft.com/office/drawing/2010/main">
                 <a:solidFill>
                   <a:srgbClr val="FFFFFF"/>
                 </a:solidFill>
@@ -16655,7 +16653,6 @@
               <a:rPr lang="en-US" dirty="0"/>
               <a:t>Mobile Application Testing</a:t>
             </a:r>
-            <a:endParaRPr lang="en-US" dirty="0"/>
           </a:p>
         </p:txBody>
       </p:sp>
@@ -16870,7 +16867,7 @@
           <a:noFill/>
           <a:extLst>
             <a:ext uri="{909E8E84-426E-40dd-AFC4-6F175D3DCCD1}">
-              <a14:hiddenFill xmlns:a14="http://schemas.microsoft.com/office/drawing/2010/main" xmlns="">
+              <a14:hiddenFill xmlns="" xmlns:a14="http://schemas.microsoft.com/office/drawing/2010/main">
                 <a:solidFill>
                   <a:srgbClr val="FFFFFF"/>
                 </a:solidFill>
@@ -17350,7 +17347,7 @@
           <a:noFill/>
           <a:extLst>
             <a:ext uri="{909E8E84-426E-40dd-AFC4-6F175D3DCCD1}">
-              <a14:hiddenFill xmlns:a14="http://schemas.microsoft.com/office/drawing/2010/main" xmlns="">
+              <a14:hiddenFill xmlns="" xmlns:a14="http://schemas.microsoft.com/office/drawing/2010/main">
                 <a:solidFill>
                   <a:srgbClr val="FFFFFF"/>
                 </a:solidFill>
@@ -17750,7 +17747,6 @@
               <a:rPr lang="en-US" dirty="0"/>
               <a:t>Website vs. Web Application</a:t>
             </a:r>
-            <a:endParaRPr lang="en-US" dirty="0"/>
           </a:p>
         </p:txBody>
       </p:sp>
@@ -17895,7 +17891,7 @@
           <a:noFill/>
           <a:extLst>
             <a:ext uri="{909E8E84-426E-40dd-AFC4-6F175D3DCCD1}">
-              <a14:hiddenFill xmlns="" xmlns:a14="http://schemas.microsoft.com/office/drawing/2010/main">
+              <a14:hiddenFill xmlns:a14="http://schemas.microsoft.com/office/drawing/2010/main" xmlns="">
                 <a:solidFill>
                   <a:srgbClr val="FFFFFF"/>
                 </a:solidFill>
@@ -19765,7 +19761,6 @@
               <a:rPr lang="en-US" dirty="0"/>
               <a:t>Website vs. Web Application</a:t>
             </a:r>
-            <a:endParaRPr lang="en-US" dirty="0"/>
           </a:p>
         </p:txBody>
       </p:sp>
@@ -19904,7 +19899,7 @@
           <a:noFill/>
           <a:extLst>
             <a:ext uri="{909E8E84-426E-40dd-AFC4-6F175D3DCCD1}">
-              <a14:hiddenFill xmlns="" xmlns:a14="http://schemas.microsoft.com/office/drawing/2010/main">
+              <a14:hiddenFill xmlns:a14="http://schemas.microsoft.com/office/drawing/2010/main" xmlns="">
                 <a:solidFill>
                   <a:srgbClr val="FFFFFF"/>
                 </a:solidFill>
@@ -21842,7 +21837,7 @@
           <a:noFill/>
           <a:extLst>
             <a:ext uri="{909E8E84-426E-40dd-AFC4-6F175D3DCCD1}">
-              <a14:hiddenFill xmlns="" xmlns:a14="http://schemas.microsoft.com/office/drawing/2010/main">
+              <a14:hiddenFill xmlns:a14="http://schemas.microsoft.com/office/drawing/2010/main" xmlns="">
                 <a:solidFill>
                   <a:srgbClr val="FFFFFF"/>
                 </a:solidFill>
@@ -22677,7 +22672,7 @@
           <a:noFill/>
           <a:extLst>
             <a:ext uri="{909E8E84-426E-40dd-AFC4-6F175D3DCCD1}">
-              <a14:hiddenFill xmlns="" xmlns:a14="http://schemas.microsoft.com/office/drawing/2010/main">
+              <a14:hiddenFill xmlns:a14="http://schemas.microsoft.com/office/drawing/2010/main" xmlns="">
                 <a:solidFill>
                   <a:srgbClr val="FFFFFF"/>
                 </a:solidFill>
@@ -22847,7 +22842,6 @@
               <a:rPr lang="en-US" dirty="0"/>
               <a:t> by real-time users.</a:t>
             </a:r>
-            <a:endParaRPr lang="en-US" dirty="0"/>
           </a:p>
         </p:txBody>
       </p:sp>
@@ -22912,7 +22906,7 @@
           <a:noFill/>
           <a:extLst>
             <a:ext uri="{909E8E84-426E-40dd-AFC4-6F175D3DCCD1}">
-              <a14:hiddenFill xmlns="" xmlns:a14="http://schemas.microsoft.com/office/drawing/2010/main">
+              <a14:hiddenFill xmlns:a14="http://schemas.microsoft.com/office/drawing/2010/main" xmlns="">
                 <a:solidFill>
                   <a:srgbClr val="FFFFFF"/>
                 </a:solidFill>

--- a/new_SE401/Lectures/10-Advanced Topics/Advanced Topics.pptx
+++ b/new_SE401/Lectures/10-Advanced Topics/Advanced Topics.pptx
@@ -76,7 +76,10 @@
     <p:sldId id="324" r:id="rId70"/>
     <p:sldId id="325" r:id="rId71"/>
     <p:sldId id="326" r:id="rId72"/>
-    <p:sldId id="327" r:id="rId73"/>
+    <p:sldId id="335" r:id="rId73"/>
+    <p:sldId id="336" r:id="rId74"/>
+    <p:sldId id="337" r:id="rId75"/>
+    <p:sldId id="327" r:id="rId76"/>
   </p:sldIdLst>
   <p:sldSz cx="12192000" cy="6858000"/>
   <p:notesSz cx="6858000" cy="9144000"/>
@@ -320,7 +323,7 @@
           <a:p>
             <a:fld id="{B2F5E2FA-C428-4CE7-95B0-168D3259A5BB}" type="datetimeFigureOut">
               <a:rPr lang="en-US" smtClean="0"/>
-              <a:t>11/28/2021</a:t>
+              <a:t>12/7/2021</a:t>
             </a:fld>
             <a:endParaRPr lang="en-US"/>
           </a:p>
@@ -571,7 +574,7 @@
           <a:p>
             <a:fld id="{B2F5E2FA-C428-4CE7-95B0-168D3259A5BB}" type="datetimeFigureOut">
               <a:rPr lang="en-US" smtClean="0"/>
-              <a:t>11/28/2021</a:t>
+              <a:t>12/7/2021</a:t>
             </a:fld>
             <a:endParaRPr lang="en-US"/>
           </a:p>
@@ -751,7 +754,7 @@
           <a:p>
             <a:fld id="{B2F5E2FA-C428-4CE7-95B0-168D3259A5BB}" type="datetimeFigureOut">
               <a:rPr lang="en-US" smtClean="0"/>
-              <a:t>11/28/2021</a:t>
+              <a:t>12/7/2021</a:t>
             </a:fld>
             <a:endParaRPr lang="en-US"/>
           </a:p>
@@ -1007,7 +1010,7 @@
           <a:p>
             <a:fld id="{B2F5E2FA-C428-4CE7-95B0-168D3259A5BB}" type="datetimeFigureOut">
               <a:rPr lang="en-US" smtClean="0"/>
-              <a:t>11/28/2021</a:t>
+              <a:t>12/7/2021</a:t>
             </a:fld>
             <a:endParaRPr lang="en-US"/>
           </a:p>
@@ -1352,7 +1355,7 @@
           <a:p>
             <a:fld id="{B2F5E2FA-C428-4CE7-95B0-168D3259A5BB}" type="datetimeFigureOut">
               <a:rPr lang="en-US" smtClean="0"/>
-              <a:t>11/28/2021</a:t>
+              <a:t>12/7/2021</a:t>
             </a:fld>
             <a:endParaRPr lang="en-US"/>
           </a:p>
@@ -1584,7 +1587,7 @@
           <a:p>
             <a:fld id="{B2F5E2FA-C428-4CE7-95B0-168D3259A5BB}" type="datetimeFigureOut">
               <a:rPr lang="en-US" smtClean="0"/>
-              <a:t>11/28/2021</a:t>
+              <a:t>12/7/2021</a:t>
             </a:fld>
             <a:endParaRPr lang="en-US"/>
           </a:p>
@@ -1951,7 +1954,7 @@
           <a:p>
             <a:fld id="{B2F5E2FA-C428-4CE7-95B0-168D3259A5BB}" type="datetimeFigureOut">
               <a:rPr lang="en-US" smtClean="0"/>
-              <a:t>11/28/2021</a:t>
+              <a:t>12/7/2021</a:t>
             </a:fld>
             <a:endParaRPr lang="en-US"/>
           </a:p>
@@ -2046,7 +2049,7 @@
           <a:p>
             <a:fld id="{B2F5E2FA-C428-4CE7-95B0-168D3259A5BB}" type="datetimeFigureOut">
               <a:rPr lang="en-US" smtClean="0"/>
-              <a:t>11/28/2021</a:t>
+              <a:t>12/7/2021</a:t>
             </a:fld>
             <a:endParaRPr lang="en-US"/>
           </a:p>
@@ -2269,7 +2272,7 @@
             <a:fld id="{B2F5E2FA-C428-4CE7-95B0-168D3259A5BB}" type="datetimeFigureOut">
               <a:rPr lang="en-US" smtClean="0"/>
               <a:pPr/>
-              <a:t>11/28/2021</a:t>
+              <a:t>12/7/2021</a:t>
             </a:fld>
             <a:endParaRPr lang="en-US"/>
           </a:p>
@@ -2440,7 +2443,7 @@
           <a:p>
             <a:fld id="{B2F5E2FA-C428-4CE7-95B0-168D3259A5BB}" type="datetimeFigureOut">
               <a:rPr lang="en-US" smtClean="0"/>
-              <a:t>11/28/2021</a:t>
+              <a:t>12/7/2021</a:t>
             </a:fld>
             <a:endParaRPr lang="en-US"/>
           </a:p>
@@ -2717,7 +2720,7 @@
           <a:p>
             <a:fld id="{B2F5E2FA-C428-4CE7-95B0-168D3259A5BB}" type="datetimeFigureOut">
               <a:rPr lang="en-US" smtClean="0"/>
-              <a:t>11/28/2021</a:t>
+              <a:t>12/7/2021</a:t>
             </a:fld>
             <a:endParaRPr lang="en-US"/>
           </a:p>
@@ -2970,7 +2973,7 @@
           <a:p>
             <a:fld id="{B2F5E2FA-C428-4CE7-95B0-168D3259A5BB}" type="datetimeFigureOut">
               <a:rPr lang="en-US" smtClean="0"/>
-              <a:t>11/28/2021</a:t>
+              <a:t>12/7/2021</a:t>
             </a:fld>
             <a:endParaRPr lang="en-US"/>
           </a:p>
@@ -3183,7 +3186,7 @@
           <a:p>
             <a:fld id="{B2F5E2FA-C428-4CE7-95B0-168D3259A5BB}" type="datetimeFigureOut">
               <a:rPr lang="en-US" smtClean="0"/>
-              <a:t>11/28/2021</a:t>
+              <a:t>12/7/2021</a:t>
             </a:fld>
             <a:endParaRPr lang="en-US"/>
           </a:p>
@@ -3859,7 +3862,7 @@
           <a:noFill/>
           <a:extLst>
             <a:ext uri="{909E8E84-426E-40dd-AFC4-6F175D3DCCD1}">
-              <a14:hiddenFill xmlns:a14="http://schemas.microsoft.com/office/drawing/2010/main" xmlns="">
+              <a14:hiddenFill xmlns="" xmlns:a14="http://schemas.microsoft.com/office/drawing/2010/main">
                 <a:solidFill>
                   <a:srgbClr val="FFFFFF"/>
                 </a:solidFill>
@@ -4493,7 +4496,7 @@
           </a:ln>
           <a:extLst>
             <a:ext uri="{909E8E84-426E-40dd-AFC4-6F175D3DCCD1}">
-              <a14:hiddenFill xmlns:a14="http://schemas.microsoft.com/office/drawing/2010/main" xmlns="">
+              <a14:hiddenFill xmlns="" xmlns:a14="http://schemas.microsoft.com/office/drawing/2010/main">
                 <a:solidFill>
                   <a:srgbClr val="FFFFFF"/>
                 </a:solidFill>
@@ -4798,7 +4801,7 @@
           <a:noFill/>
           <a:extLst>
             <a:ext uri="{909E8E84-426E-40dd-AFC4-6F175D3DCCD1}">
-              <a14:hiddenFill xmlns:a14="http://schemas.microsoft.com/office/drawing/2010/main" xmlns="">
+              <a14:hiddenFill xmlns="" xmlns:a14="http://schemas.microsoft.com/office/drawing/2010/main">
                 <a:solidFill>
                   <a:srgbClr val="FFFFFF"/>
                 </a:solidFill>
@@ -5811,7 +5814,7 @@
           <a:noFill/>
           <a:extLst>
             <a:ext uri="{909E8E84-426E-40dd-AFC4-6F175D3DCCD1}">
-              <a14:hiddenFill xmlns:a14="http://schemas.microsoft.com/office/drawing/2010/main" xmlns="">
+              <a14:hiddenFill xmlns="" xmlns:a14="http://schemas.microsoft.com/office/drawing/2010/main">
                 <a:solidFill>
                   <a:srgbClr val="FFFFFF"/>
                 </a:solidFill>
@@ -6091,7 +6094,7 @@
           <a:noFill/>
           <a:extLst>
             <a:ext uri="{909E8E84-426E-40dd-AFC4-6F175D3DCCD1}">
-              <a14:hiddenFill xmlns:a14="http://schemas.microsoft.com/office/drawing/2010/main" xmlns="">
+              <a14:hiddenFill xmlns="" xmlns:a14="http://schemas.microsoft.com/office/drawing/2010/main">
                 <a:solidFill>
                   <a:srgbClr val="FFFFFF"/>
                 </a:solidFill>
@@ -6548,7 +6551,7 @@
           <a:noFill/>
           <a:extLst>
             <a:ext uri="{909E8E84-426E-40dd-AFC4-6F175D3DCCD1}">
-              <a14:hiddenFill xmlns:a14="http://schemas.microsoft.com/office/drawing/2010/main" xmlns="">
+              <a14:hiddenFill xmlns="" xmlns:a14="http://schemas.microsoft.com/office/drawing/2010/main">
                 <a:solidFill>
                   <a:srgbClr val="FFFFFF"/>
                 </a:solidFill>
@@ -8925,7 +8928,7 @@
           <a:noFill/>
           <a:extLst>
             <a:ext uri="{909E8E84-426E-40dd-AFC4-6F175D3DCCD1}">
-              <a14:hiddenFill xmlns:a14="http://schemas.microsoft.com/office/drawing/2010/main" xmlns="">
+              <a14:hiddenFill xmlns="" xmlns:a14="http://schemas.microsoft.com/office/drawing/2010/main">
                 <a:solidFill>
                   <a:srgbClr val="FFFFFF"/>
                 </a:solidFill>
@@ -14905,7 +14908,7 @@
           <a:noFill/>
           <a:extLst>
             <a:ext uri="{909E8E84-426E-40dd-AFC4-6F175D3DCCD1}">
-              <a14:hiddenFill xmlns="" xmlns:a14="http://schemas.microsoft.com/office/drawing/2010/main">
+              <a14:hiddenFill xmlns:a14="http://schemas.microsoft.com/office/drawing/2010/main" xmlns="">
                 <a:solidFill>
                   <a:srgbClr val="FFFFFF"/>
                 </a:solidFill>
@@ -15052,7 +15055,7 @@
           <a:noFill/>
           <a:extLst>
             <a:ext uri="{909E8E84-426E-40dd-AFC4-6F175D3DCCD1}">
-              <a14:hiddenFill xmlns="" xmlns:a14="http://schemas.microsoft.com/office/drawing/2010/main">
+              <a14:hiddenFill xmlns:a14="http://schemas.microsoft.com/office/drawing/2010/main" xmlns="">
                 <a:solidFill>
                   <a:srgbClr val="FFFFFF"/>
                 </a:solidFill>
@@ -15627,17 +15630,6 @@
               <a:t> experience to the users. </a:t>
             </a:r>
           </a:p>
-          <a:p>
-            <a:pPr lvl="1">
-              <a:spcBef>
-                <a:spcPts val="1800"/>
-              </a:spcBef>
-            </a:pPr>
-            <a:r>
-              <a:rPr lang="en-US" sz="2600" dirty="0"/>
-              <a:t>Examples: Pinterest, Facebook, and Pokémon Go. </a:t>
-            </a:r>
-          </a:p>
         </p:txBody>
       </p:sp>
       <p:pic>
@@ -16084,19 +16076,13 @@
             </a:br>
             <a:r>
               <a:rPr lang="en-US" sz="2600" dirty="0"/>
-              <a:t>web technologies like HTML5 and CSS.</a:t>
-            </a:r>
-          </a:p>
-          <a:p>
-            <a:pPr lvl="1">
-              <a:spcBef>
-                <a:spcPts val="1800"/>
-              </a:spcBef>
-            </a:pPr>
-            <a:r>
-              <a:rPr lang="en-US" sz="2600" dirty="0"/>
-              <a:t>Hybrid apps examples: Instagram, Uber, Evernote.</a:t>
-            </a:r>
+              <a:t>web technologies like HTML5 and CSS</a:t>
+            </a:r>
+            <a:r>
+              <a:rPr lang="en-US" sz="2600" dirty="0" smtClean="0"/>
+              <a:t>.</a:t>
+            </a:r>
+            <a:endParaRPr lang="en-US" sz="2600" dirty="0"/>
           </a:p>
         </p:txBody>
       </p:sp>
@@ -16387,7 +16373,7 @@
           <a:noFill/>
           <a:extLst>
             <a:ext uri="{909E8E84-426E-40dd-AFC4-6F175D3DCCD1}">
-              <a14:hiddenFill xmlns="" xmlns:a14="http://schemas.microsoft.com/office/drawing/2010/main">
+              <a14:hiddenFill xmlns:a14="http://schemas.microsoft.com/office/drawing/2010/main" xmlns="">
                 <a:solidFill>
                   <a:srgbClr val="FFFFFF"/>
                 </a:solidFill>
@@ -16867,7 +16853,7 @@
           <a:noFill/>
           <a:extLst>
             <a:ext uri="{909E8E84-426E-40dd-AFC4-6F175D3DCCD1}">
-              <a14:hiddenFill xmlns="" xmlns:a14="http://schemas.microsoft.com/office/drawing/2010/main">
+              <a14:hiddenFill xmlns:a14="http://schemas.microsoft.com/office/drawing/2010/main" xmlns="">
                 <a:solidFill>
                   <a:srgbClr val="FFFFFF"/>
                 </a:solidFill>
@@ -16955,21 +16941,36 @@
           </a:p>
         </p:txBody>
       </p:sp>
+      <p:sp>
+        <p:nvSpPr>
+          <p:cNvPr id="3" name="Slide Number Placeholder 2"/>
+          <p:cNvSpPr>
+            <a:spLocks noGrp="1"/>
+          </p:cNvSpPr>
+          <p:nvPr>
+            <p:ph type="sldNum" sz="quarter" idx="12"/>
+          </p:nvPr>
+        </p:nvSpPr>
+        <p:spPr/>
+        <p:txBody>
+          <a:bodyPr/>
+          <a:lstStyle/>
+          <a:p>
+            <a:fld id="{B543A0FD-1CA6-4228-86A2-78061B4844C8}" type="slidenum">
+              <a:rPr lang="en-US" smtClean="0"/>
+              <a:t>45</a:t>
+            </a:fld>
+            <a:endParaRPr lang="en-US"/>
+          </a:p>
+        </p:txBody>
+      </p:sp>
       <p:pic>
         <p:nvPicPr>
-          <p:cNvPr id="5" name="Content Placeholder 4">
-            <a:extLst>
-              <a:ext uri="{FF2B5EF4-FFF2-40B4-BE49-F238E27FC236}">
-                <a16:creationId xmlns:a16="http://schemas.microsoft.com/office/drawing/2014/main" id="{2E097A0A-A0F8-4E64-A3A9-1CB3493051CC}"/>
-              </a:ext>
-            </a:extLst>
-          </p:cNvPr>
+          <p:cNvPr id="6" name="Picture 5"/>
           <p:cNvPicPr>
-            <a:picLocks noGrp="1" noChangeAspect="1"/>
+            <a:picLocks noChangeAspect="1"/>
           </p:cNvPicPr>
-          <p:nvPr>
-            <p:ph idx="1"/>
-          </p:nvPr>
+          <p:nvPr/>
         </p:nvPicPr>
         <p:blipFill>
           <a:blip r:embed="rId2"/>
@@ -16979,8 +16980,8 @@
         </p:blipFill>
         <p:spPr>
           <a:xfrm>
-            <a:off x="1404937" y="1943894"/>
-            <a:ext cx="9382125" cy="4371975"/>
+            <a:off x="2306648" y="1846556"/>
+            <a:ext cx="6716062" cy="4372585"/>
           </a:xfrm>
           <a:prstGeom prst="rect">
             <a:avLst/>
@@ -16989,24 +16990,32 @@
       </p:pic>
       <p:sp>
         <p:nvSpPr>
-          <p:cNvPr id="3" name="Slide Number Placeholder 2"/>
-          <p:cNvSpPr>
-            <a:spLocks noGrp="1"/>
-          </p:cNvSpPr>
-          <p:nvPr>
-            <p:ph type="sldNum" sz="quarter" idx="12"/>
-          </p:nvPr>
-        </p:nvSpPr>
-        <p:spPr/>
-        <p:txBody>
-          <a:bodyPr/>
-          <a:lstStyle/>
-          <a:p>
-            <a:fld id="{B543A0FD-1CA6-4228-86A2-78061B4844C8}" type="slidenum">
-              <a:rPr lang="en-US" smtClean="0"/>
-              <a:t>45</a:t>
-            </a:fld>
-            <a:endParaRPr lang="en-US"/>
+          <p:cNvPr id="7" name="Rectangle 6"/>
+          <p:cNvSpPr/>
+          <p:nvPr/>
+        </p:nvSpPr>
+        <p:spPr>
+          <a:xfrm>
+            <a:off x="1414733" y="1500996"/>
+            <a:ext cx="8867954" cy="461665"/>
+          </a:xfrm>
+          <a:prstGeom prst="rect">
+            <a:avLst/>
+          </a:prstGeom>
+        </p:spPr>
+        <p:txBody>
+          <a:bodyPr wrap="square">
+            <a:spAutoFit/>
+          </a:bodyPr>
+          <a:lstStyle/>
+          <a:p>
+            <a:pPr algn="ctr"/>
+            <a:r>
+              <a:rPr lang="en-US" sz="2400" dirty="0">
+                <a:latin typeface="Candara" panose="020E0502030303020204" pitchFamily="34" charset="0"/>
+              </a:rPr>
+              <a:t>Forecast number of mobile users worldwide from 2020 to 2025</a:t>
+            </a:r>
           </a:p>
         </p:txBody>
       </p:sp>
@@ -17347,7 +17356,7 @@
           <a:noFill/>
           <a:extLst>
             <a:ext uri="{909E8E84-426E-40dd-AFC4-6F175D3DCCD1}">
-              <a14:hiddenFill xmlns="" xmlns:a14="http://schemas.microsoft.com/office/drawing/2010/main">
+              <a14:hiddenFill xmlns:a14="http://schemas.microsoft.com/office/drawing/2010/main" xmlns="">
                 <a:solidFill>
                   <a:srgbClr val="FFFFFF"/>
                 </a:solidFill>
@@ -17639,13 +17648,13 @@
       </p:sp>
       <p:pic>
         <p:nvPicPr>
-          <p:cNvPr id="1028" name="Picture 4" descr="Different Types of Mobile Application Testing | Testbytes"/>
+          <p:cNvPr id="2050" name="Picture 2" descr="Mobile-app-esting-types"/>
           <p:cNvPicPr>
             <a:picLocks noChangeAspect="1" noChangeArrowheads="1"/>
           </p:cNvPicPr>
           <p:nvPr/>
         </p:nvPicPr>
-        <p:blipFill>
+        <p:blipFill rotWithShape="1">
           <a:blip r:embed="rId2">
             <a:grayscl/>
             <a:extLst>
@@ -17654,15 +17663,13 @@
               </a:ext>
             </a:extLst>
           </a:blip>
-          <a:srcRect/>
-          <a:stretch>
-            <a:fillRect/>
-          </a:stretch>
+          <a:srcRect t="15857"/>
+          <a:stretch/>
         </p:blipFill>
         <p:spPr bwMode="auto">
           <a:xfrm>
-            <a:off x="3392551" y="1593850"/>
-            <a:ext cx="4762500" cy="4762500"/>
+            <a:off x="1859143" y="1598213"/>
+            <a:ext cx="7560903" cy="4780632"/>
           </a:xfrm>
           <a:prstGeom prst="rect">
             <a:avLst/>
@@ -17679,6 +17686,52 @@
           </a:extLst>
         </p:spPr>
       </p:pic>
+      <p:sp>
+        <p:nvSpPr>
+          <p:cNvPr id="4" name="Rectangle 3"/>
+          <p:cNvSpPr/>
+          <p:nvPr/>
+        </p:nvSpPr>
+        <p:spPr>
+          <a:xfrm>
+            <a:off x="7548113" y="5426015"/>
+            <a:ext cx="1509623" cy="819510"/>
+          </a:xfrm>
+          <a:prstGeom prst="rect">
+            <a:avLst/>
+          </a:prstGeom>
+          <a:solidFill>
+            <a:srgbClr val="EEEEEE"/>
+          </a:solidFill>
+          <a:ln>
+            <a:noFill/>
+          </a:ln>
+        </p:spPr>
+        <p:style>
+          <a:lnRef idx="2">
+            <a:schemeClr val="accent1">
+              <a:shade val="50000"/>
+            </a:schemeClr>
+          </a:lnRef>
+          <a:fillRef idx="1">
+            <a:schemeClr val="accent1"/>
+          </a:fillRef>
+          <a:effectRef idx="0">
+            <a:schemeClr val="accent1"/>
+          </a:effectRef>
+          <a:fontRef idx="minor">
+            <a:schemeClr val="lt1"/>
+          </a:fontRef>
+        </p:style>
+        <p:txBody>
+          <a:bodyPr rtlCol="0" anchor="ctr"/>
+          <a:lstStyle/>
+          <a:p>
+            <a:pPr algn="ctr"/>
+            <a:endParaRPr lang="en-US"/>
+          </a:p>
+        </p:txBody>
+      </p:sp>
     </p:spTree>
     <p:extLst>
       <p:ext uri="{BB962C8B-B14F-4D97-AF65-F5344CB8AC3E}">
@@ -17891,7 +17944,7 @@
           <a:noFill/>
           <a:extLst>
             <a:ext uri="{909E8E84-426E-40dd-AFC4-6F175D3DCCD1}">
-              <a14:hiddenFill xmlns:a14="http://schemas.microsoft.com/office/drawing/2010/main" xmlns="">
+              <a14:hiddenFill xmlns="" xmlns:a14="http://schemas.microsoft.com/office/drawing/2010/main">
                 <a:solidFill>
                   <a:srgbClr val="FFFFFF"/>
                 </a:solidFill>
@@ -18188,7 +18241,7 @@
           <a:p>
             <a:r>
               <a:rPr lang="en-US" dirty="0" smtClean="0"/>
-              <a:t>mandatory </a:t>
+              <a:t>Mandatory </a:t>
             </a:r>
             <a:r>
               <a:rPr lang="en-US" dirty="0"/>
@@ -18203,7 +18256,7 @@
           <a:p>
             <a:r>
               <a:rPr lang="en-US" dirty="0" smtClean="0"/>
-              <a:t>mandatory </a:t>
+              <a:t>Mandatory </a:t>
             </a:r>
             <a:r>
               <a:rPr lang="en-US" dirty="0"/>
@@ -18226,7 +18279,7 @@
           <a:p>
             <a:r>
               <a:rPr lang="en-US" dirty="0" smtClean="0"/>
-              <a:t>the </a:t>
+              <a:t>The </a:t>
             </a:r>
             <a:r>
               <a:rPr lang="en-US" dirty="0"/>
@@ -18241,7 +18294,7 @@
           <a:p>
             <a:r>
               <a:rPr lang="en-US" dirty="0" smtClean="0"/>
-              <a:t>the </a:t>
+              <a:t>The </a:t>
             </a:r>
             <a:r>
               <a:rPr lang="en-US" dirty="0"/>
@@ -18255,7 +18308,7 @@
           <a:p>
             <a:r>
               <a:rPr lang="en-US" dirty="0" smtClean="0"/>
-              <a:t>the </a:t>
+              <a:t>The </a:t>
             </a:r>
             <a:r>
               <a:rPr lang="en-US" dirty="0"/>
@@ -18269,7 +18322,7 @@
           <a:p>
             <a:r>
               <a:rPr lang="en-US" dirty="0" smtClean="0"/>
-              <a:t>the </a:t>
+              <a:t>The </a:t>
             </a:r>
             <a:r>
               <a:rPr lang="en-US" dirty="0"/>
@@ -18401,7 +18454,7 @@
           <a:p>
             <a:r>
               <a:rPr lang="en-US" dirty="0" smtClean="0"/>
-              <a:t>the </a:t>
+              <a:t>The </a:t>
             </a:r>
             <a:r>
               <a:rPr lang="en-US" dirty="0"/>
@@ -18411,7 +18464,7 @@
           <a:p>
             <a:r>
               <a:rPr lang="en-US" dirty="0" smtClean="0"/>
-              <a:t>the </a:t>
+              <a:t>The </a:t>
             </a:r>
             <a:r>
               <a:rPr lang="en-US" dirty="0"/>
@@ -18441,13 +18494,17 @@
           <a:p>
             <a:r>
               <a:rPr lang="en-US" dirty="0" smtClean="0"/>
-              <a:t>the page scrolling scenarios are being enabled in the application as necessary</a:t>
-            </a:r>
-          </a:p>
-          <a:p>
+              <a:t>The </a:t>
+            </a:r>
             <a:r>
               <a:rPr lang="en-US" dirty="0" smtClean="0"/>
-              <a:t>the </a:t>
+              <a:t>page scrolling scenarios are being enabled in the application as necessary</a:t>
+            </a:r>
+          </a:p>
+          <a:p>
+            <a:r>
+              <a:rPr lang="en-US" dirty="0" smtClean="0"/>
+              <a:t>The </a:t>
             </a:r>
             <a:r>
               <a:rPr lang="en-US" dirty="0"/>
@@ -18462,7 +18519,7 @@
           <a:p>
             <a:r>
               <a:rPr lang="en-US" dirty="0" smtClean="0"/>
-              <a:t>the </a:t>
+              <a:t>The </a:t>
             </a:r>
             <a:r>
               <a:rPr lang="en-US" dirty="0"/>
@@ -18477,7 +18534,7 @@
           <a:p>
             <a:r>
               <a:rPr lang="en-US" dirty="0" smtClean="0"/>
-              <a:t>the </a:t>
+              <a:t>The </a:t>
             </a:r>
             <a:r>
               <a:rPr lang="en-US" dirty="0"/>
@@ -18609,7 +18666,11 @@
           <a:p>
             <a:r>
               <a:rPr lang="en-US" dirty="0" smtClean="0"/>
-              <a:t>allows other </a:t>
+              <a:t>Allows </a:t>
+            </a:r>
+            <a:r>
+              <a:rPr lang="en-US" dirty="0" smtClean="0"/>
+              <a:t>other </a:t>
             </a:r>
             <a:r>
               <a:rPr lang="en-US" dirty="0"/>
@@ -18624,7 +18685,7 @@
           <a:p>
             <a:r>
               <a:rPr lang="en-US" dirty="0" smtClean="0"/>
-              <a:t>resumes </a:t>
+              <a:t>Resumes </a:t>
             </a:r>
             <a:r>
               <a:rPr lang="en-US" dirty="0"/>
@@ -18654,7 +18715,7 @@
           <a:p>
             <a:r>
               <a:rPr lang="en-US" dirty="0" smtClean="0"/>
-              <a:t>performs </a:t>
+              <a:t>Performs </a:t>
             </a:r>
             <a:r>
               <a:rPr lang="en-US" dirty="0"/>
@@ -18669,7 +18730,7 @@
           <a:p>
             <a:r>
               <a:rPr lang="en-US" dirty="0" smtClean="0"/>
-              <a:t>performs </a:t>
+              <a:t>Performs </a:t>
             </a:r>
             <a:r>
               <a:rPr lang="en-US" dirty="0"/>
@@ -18695,7 +18756,7 @@
           <a:p>
             <a:r>
               <a:rPr lang="en-US" dirty="0" smtClean="0"/>
-              <a:t>provides </a:t>
+              <a:t>Provides </a:t>
             </a:r>
             <a:r>
               <a:rPr lang="en-US" dirty="0"/>
@@ -18945,7 +19006,7 @@
           <a:p>
             <a:r>
               <a:rPr lang="en-US" dirty="0" smtClean="0"/>
-              <a:t>performs </a:t>
+              <a:t>Performs </a:t>
             </a:r>
             <a:r>
               <a:rPr lang="en-US" dirty="0"/>
@@ -18960,7 +19021,7 @@
           <a:p>
             <a:r>
               <a:rPr lang="en-US" dirty="0" smtClean="0"/>
-              <a:t>the </a:t>
+              <a:t>The </a:t>
             </a:r>
             <a:r>
               <a:rPr lang="en-US" dirty="0"/>
@@ -18975,7 +19036,7 @@
           <a:p>
             <a:r>
               <a:rPr lang="en-US" dirty="0" smtClean="0"/>
-              <a:t>the </a:t>
+              <a:t>The </a:t>
             </a:r>
             <a:r>
               <a:rPr lang="en-US" dirty="0"/>
@@ -18990,7 +19051,7 @@
           <a:p>
             <a:r>
               <a:rPr lang="en-US" dirty="0" smtClean="0"/>
-              <a:t>identify </a:t>
+              <a:t>Identify </a:t>
             </a:r>
             <a:r>
               <a:rPr lang="en-US" dirty="0"/>
@@ -19004,7 +19065,7 @@
           <a:p>
             <a:r>
               <a:rPr lang="en-US" dirty="0" smtClean="0"/>
-              <a:t>validate </a:t>
+              <a:t>Validate </a:t>
             </a:r>
             <a:r>
               <a:rPr lang="en-US" dirty="0"/>
@@ -19134,7 +19195,7 @@
           <a:p>
             <a:r>
               <a:rPr lang="en-US" dirty="0" smtClean="0"/>
-              <a:t>evaluate </a:t>
+              <a:t>Evaluate </a:t>
             </a:r>
             <a:r>
               <a:rPr lang="en-US" dirty="0"/>
@@ -19149,7 +19210,7 @@
           <a:p>
             <a:r>
               <a:rPr lang="en-US" dirty="0" smtClean="0"/>
-              <a:t>evaluate </a:t>
+              <a:t>Evaluate </a:t>
             </a:r>
             <a:r>
               <a:rPr lang="en-US" dirty="0"/>
@@ -19164,7 +19225,7 @@
           <a:p>
             <a:r>
               <a:rPr lang="en-US" dirty="0" smtClean="0"/>
-              <a:t>validate </a:t>
+              <a:t>Validate </a:t>
             </a:r>
             <a:r>
               <a:rPr lang="en-US" dirty="0"/>
@@ -19172,7 +19233,7 @@
             </a:r>
             <a:r>
               <a:rPr lang="en-US" dirty="0" smtClean="0"/>
-              <a:t>3G/4G </a:t>
+              <a:t>3G/4G/5G </a:t>
             </a:r>
             <a:r>
               <a:rPr lang="en-US" dirty="0"/>
@@ -19187,7 +19248,7 @@
           <a:p>
             <a:r>
               <a:rPr lang="en-US" dirty="0" smtClean="0"/>
-              <a:t>validate </a:t>
+              <a:t>Validate </a:t>
             </a:r>
             <a:r>
               <a:rPr lang="en-US" dirty="0"/>
@@ -19317,7 +19378,7 @@
           <a:p>
             <a:r>
               <a:rPr lang="en-US" dirty="0" smtClean="0"/>
-              <a:t>validate </a:t>
+              <a:t>Validate </a:t>
             </a:r>
             <a:r>
               <a:rPr lang="en-US" dirty="0"/>
@@ -19332,7 +19393,7 @@
           <a:p>
             <a:r>
               <a:rPr lang="en-US" dirty="0" smtClean="0"/>
-              <a:t>validate </a:t>
+              <a:t>Validate </a:t>
             </a:r>
             <a:r>
               <a:rPr lang="en-US" dirty="0"/>
@@ -19347,7 +19408,7 @@
           <a:p>
             <a:r>
               <a:rPr lang="en-US" dirty="0" smtClean="0"/>
-              <a:t>validate </a:t>
+              <a:t>Validate </a:t>
             </a:r>
             <a:r>
               <a:rPr lang="en-US" dirty="0"/>
@@ -19596,7 +19657,7 @@
           <a:p>
             <a:r>
               <a:rPr lang="en-US" dirty="0" smtClean="0"/>
-              <a:t>able </a:t>
+              <a:t>Able </a:t>
             </a:r>
             <a:r>
               <a:rPr lang="en-US" dirty="0"/>
@@ -19611,7 +19672,7 @@
           <a:p>
             <a:r>
               <a:rPr lang="en-US" dirty="0" smtClean="0"/>
-              <a:t>not </a:t>
+              <a:t>Not </a:t>
             </a:r>
             <a:r>
               <a:rPr lang="en-US" dirty="0"/>
@@ -19626,7 +19687,7 @@
           <a:p>
             <a:r>
               <a:rPr lang="en-US" dirty="0" smtClean="0"/>
-              <a:t>has </a:t>
+              <a:t>Has </a:t>
             </a:r>
             <a:r>
               <a:rPr lang="en-US" dirty="0"/>
@@ -19641,7 +19702,7 @@
           <a:p>
             <a:r>
               <a:rPr lang="en-US" dirty="0" smtClean="0"/>
-              <a:t>does </a:t>
+              <a:t>Does </a:t>
             </a:r>
             <a:r>
               <a:rPr lang="en-US" dirty="0"/>
@@ -19656,7 +19717,7 @@
           <a:p>
             <a:r>
               <a:rPr lang="en-US" dirty="0" smtClean="0"/>
-              <a:t>identify </a:t>
+              <a:t>Identify </a:t>
             </a:r>
             <a:r>
               <a:rPr lang="en-US" dirty="0"/>
@@ -19899,7 +19960,7 @@
           <a:noFill/>
           <a:extLst>
             <a:ext uri="{909E8E84-426E-40dd-AFC4-6F175D3DCCD1}">
-              <a14:hiddenFill xmlns:a14="http://schemas.microsoft.com/office/drawing/2010/main" xmlns="">
+              <a14:hiddenFill xmlns="" xmlns:a14="http://schemas.microsoft.com/office/drawing/2010/main">
                 <a:solidFill>
                   <a:srgbClr val="FFFFFF"/>
                 </a:solidFill>
@@ -20001,7 +20062,7 @@
           <a:p>
             <a:r>
               <a:rPr lang="en-US" dirty="0" smtClean="0"/>
-              <a:t>prevent </a:t>
+              <a:t>Prevent </a:t>
             </a:r>
             <a:r>
               <a:rPr lang="en-US" dirty="0"/>
@@ -20016,7 +20077,7 @@
           <a:p>
             <a:r>
               <a:rPr lang="en-US" dirty="0" smtClean="0"/>
-              <a:t>identify </a:t>
+              <a:t>Identify </a:t>
             </a:r>
             <a:r>
               <a:rPr lang="en-US" dirty="0"/>
@@ -20031,7 +20092,7 @@
           <a:p>
             <a:r>
               <a:rPr lang="en-US" dirty="0" smtClean="0"/>
-              <a:t>certificates </a:t>
+              <a:t>Certificates </a:t>
             </a:r>
             <a:r>
               <a:rPr lang="en-US" dirty="0"/>
@@ -20046,7 +20107,7 @@
           <a:p>
             <a:r>
               <a:rPr lang="en-US" dirty="0" smtClean="0"/>
-              <a:t>protect </a:t>
+              <a:t>Protect </a:t>
             </a:r>
             <a:r>
               <a:rPr lang="en-US" dirty="0"/>
@@ -20061,7 +20122,7 @@
           <a:p>
             <a:r>
               <a:rPr lang="en-US" dirty="0" smtClean="0"/>
-              <a:t>analyze </a:t>
+              <a:t>Analyze </a:t>
             </a:r>
             <a:r>
               <a:rPr lang="en-US" dirty="0"/>
@@ -20076,7 +20137,7 @@
           <a:p>
             <a:r>
               <a:rPr lang="en-US" dirty="0" smtClean="0"/>
-              <a:t>enable </a:t>
+              <a:t>Enable </a:t>
             </a:r>
             <a:r>
               <a:rPr lang="en-US" dirty="0"/>
@@ -20208,7 +20269,7 @@
           <a:p>
             <a:r>
               <a:rPr lang="en-US" dirty="0" smtClean="0"/>
-              <a:t>check </a:t>
+              <a:t>Check </a:t>
             </a:r>
             <a:r>
               <a:rPr lang="en-US" dirty="0"/>
@@ -20223,7 +20284,7 @@
           <a:p>
             <a:r>
               <a:rPr lang="en-US" dirty="0" smtClean="0"/>
-              <a:t>validate </a:t>
+              <a:t>Validate </a:t>
             </a:r>
             <a:r>
               <a:rPr lang="en-US" dirty="0"/>
@@ -20238,7 +20299,7 @@
           <a:p>
             <a:r>
               <a:rPr lang="en-US" dirty="0" smtClean="0"/>
-              <a:t>analyze </a:t>
+              <a:t>Analyze </a:t>
             </a:r>
             <a:r>
               <a:rPr lang="en-US" dirty="0"/>
@@ -20253,14 +20314,14 @@
           <a:p>
             <a:r>
               <a:rPr lang="en-US" dirty="0" smtClean="0"/>
-              <a:t>validate </a:t>
+              <a:t>Validate </a:t>
             </a:r>
             <a:r>
               <a:rPr lang="en-US" dirty="0"/>
               <a:t>the protocol handlers for example trying to reconfigure the default landing page for the application using a malicious </a:t>
             </a:r>
             <a:r>
-              <a:rPr lang="en-US" dirty="0" err="1" smtClean="0"/>
+              <a:rPr lang="en-US" dirty="0" smtClean="0"/>
               <a:t>iframe</a:t>
             </a:r>
             <a:endParaRPr lang="en-US" dirty="0"/>
@@ -20268,7 +20329,7 @@
           <a:p>
             <a:r>
               <a:rPr lang="en-US" dirty="0" smtClean="0"/>
-              <a:t>protect </a:t>
+              <a:t>Protect </a:t>
             </a:r>
             <a:r>
               <a:rPr lang="en-US" dirty="0"/>
@@ -20283,7 +20344,7 @@
           <a:p>
             <a:r>
               <a:rPr lang="en-US" dirty="0" smtClean="0"/>
-              <a:t>protect </a:t>
+              <a:t>Protect </a:t>
             </a:r>
             <a:r>
               <a:rPr lang="en-US" dirty="0"/>
@@ -20415,7 +20476,7 @@
           <a:p>
             <a:r>
               <a:rPr lang="en-US" dirty="0" smtClean="0"/>
-              <a:t>investigate </a:t>
+              <a:t>Investigate </a:t>
             </a:r>
             <a:r>
               <a:rPr lang="en-US" dirty="0"/>
@@ -20430,7 +20491,7 @@
           <a:p>
             <a:r>
               <a:rPr lang="en-US" dirty="0" smtClean="0"/>
-              <a:t>prevent </a:t>
+              <a:t>Prevent </a:t>
             </a:r>
             <a:r>
               <a:rPr lang="en-US" dirty="0"/>
@@ -20445,7 +20506,7 @@
           <a:p>
             <a:r>
               <a:rPr lang="en-US" dirty="0" smtClean="0"/>
-              <a:t>investigate </a:t>
+              <a:t>Investigate </a:t>
             </a:r>
             <a:r>
               <a:rPr lang="en-US" dirty="0"/>
@@ -20460,7 +20521,7 @@
           <a:p>
             <a:r>
               <a:rPr lang="en-US" dirty="0" smtClean="0"/>
-              <a:t>provide </a:t>
+              <a:t>Provide </a:t>
             </a:r>
             <a:r>
               <a:rPr lang="en-US" dirty="0"/>
@@ -20475,7 +20536,7 @@
           <a:p>
             <a:r>
               <a:rPr lang="en-US" dirty="0" smtClean="0"/>
-              <a:t>investigate </a:t>
+              <a:t>Investigate </a:t>
             </a:r>
             <a:r>
               <a:rPr lang="en-US" dirty="0"/>
@@ -20490,7 +20551,7 @@
           <a:p>
             <a:r>
               <a:rPr lang="en-US" dirty="0" smtClean="0"/>
-              <a:t>prevent </a:t>
+              <a:t>Prevent </a:t>
             </a:r>
             <a:r>
               <a:rPr lang="en-US" dirty="0"/>
@@ -20505,7 +20566,7 @@
           <a:p>
             <a:r>
               <a:rPr lang="en-US" dirty="0" smtClean="0"/>
-              <a:t>analyze </a:t>
+              <a:t>Analyze </a:t>
             </a:r>
             <a:r>
               <a:rPr lang="en-US" dirty="0"/>
@@ -20777,7 +20838,7 @@
           <a:p>
             <a:r>
               <a:rPr lang="en-US" dirty="0" smtClean="0"/>
-              <a:t>buttons </a:t>
+              <a:t>Buttons </a:t>
             </a:r>
             <a:r>
               <a:rPr lang="en-US" dirty="0"/>
@@ -20792,7 +20853,7 @@
           <a:p>
             <a:r>
               <a:rPr lang="en-US" dirty="0" smtClean="0"/>
-              <a:t>buttons </a:t>
+              <a:t>Buttons </a:t>
             </a:r>
             <a:r>
               <a:rPr lang="en-US" dirty="0"/>
@@ -20807,7 +20868,7 @@
           <a:p>
             <a:r>
               <a:rPr lang="en-US" dirty="0" smtClean="0"/>
-              <a:t>icons </a:t>
+              <a:t>Icons </a:t>
             </a:r>
             <a:r>
               <a:rPr lang="en-US" dirty="0"/>
@@ -20822,7 +20883,7 @@
           <a:p>
             <a:r>
               <a:rPr lang="en-US" dirty="0" smtClean="0"/>
-              <a:t>buttons</a:t>
+              <a:t>Buttons</a:t>
             </a:r>
             <a:r>
               <a:rPr lang="en-US" dirty="0"/>
@@ -20837,7 +20898,7 @@
           <a:p>
             <a:r>
               <a:rPr lang="en-US" dirty="0" smtClean="0"/>
-              <a:t>validation </a:t>
+              <a:t>Validation </a:t>
             </a:r>
             <a:r>
               <a:rPr lang="en-US" dirty="0"/>
@@ -20852,7 +20913,7 @@
           <a:p>
             <a:r>
               <a:rPr lang="en-US" dirty="0" smtClean="0"/>
-              <a:t>keyboard </a:t>
+              <a:t>Keyboard </a:t>
             </a:r>
             <a:r>
               <a:rPr lang="en-US" dirty="0"/>
@@ -20984,7 +21045,7 @@
           <a:p>
             <a:r>
               <a:rPr lang="en-US" dirty="0" smtClean="0"/>
-              <a:t>application </a:t>
+              <a:t>Application </a:t>
             </a:r>
             <a:r>
               <a:rPr lang="en-US" dirty="0"/>
@@ -20999,7 +21060,7 @@
           <a:p>
             <a:r>
               <a:rPr lang="en-US" dirty="0" smtClean="0"/>
-              <a:t>contextual </a:t>
+              <a:t>Contextual </a:t>
             </a:r>
             <a:r>
               <a:rPr lang="en-US" dirty="0"/>
@@ -21014,7 +21075,7 @@
           <a:p>
             <a:r>
               <a:rPr lang="en-US" dirty="0" smtClean="0"/>
-              <a:t>text </a:t>
+              <a:t>Text </a:t>
             </a:r>
             <a:r>
               <a:rPr lang="en-US" dirty="0"/>
@@ -21029,7 +21090,7 @@
           <a:p>
             <a:r>
               <a:rPr lang="en-US" dirty="0" smtClean="0"/>
-              <a:t>short </a:t>
+              <a:t>Short </a:t>
             </a:r>
             <a:r>
               <a:rPr lang="en-US" dirty="0"/>
@@ -21044,7 +21105,7 @@
           <a:p>
             <a:r>
               <a:rPr lang="en-US" dirty="0" smtClean="0"/>
-              <a:t>font </a:t>
+              <a:t>Font </a:t>
             </a:r>
             <a:r>
               <a:rPr lang="en-US" dirty="0"/>
@@ -21059,7 +21120,7 @@
           <a:p>
             <a:r>
               <a:rPr lang="en-US" dirty="0" smtClean="0"/>
-              <a:t>application </a:t>
+              <a:t>Application </a:t>
             </a:r>
             <a:r>
               <a:rPr lang="en-US" dirty="0"/>
@@ -21189,7 +21250,7 @@
           <a:p>
             <a:r>
               <a:rPr lang="en-US" dirty="0" smtClean="0"/>
-              <a:t>closing </a:t>
+              <a:t>Closing </a:t>
             </a:r>
             <a:r>
               <a:rPr lang="en-US" dirty="0"/>
@@ -21204,7 +21265,7 @@
           <a:p>
             <a:r>
               <a:rPr lang="en-US" dirty="0" smtClean="0"/>
-              <a:t>all </a:t>
+              <a:t>All </a:t>
             </a:r>
             <a:r>
               <a:rPr lang="en-US" dirty="0"/>
@@ -21219,7 +21280,7 @@
           <a:p>
             <a:r>
               <a:rPr lang="en-US" dirty="0" smtClean="0"/>
-              <a:t>application </a:t>
+              <a:t>Application </a:t>
             </a:r>
             <a:r>
               <a:rPr lang="en-US" dirty="0"/>
@@ -21234,7 +21295,7 @@
           <a:p>
             <a:r>
               <a:rPr lang="en-US" dirty="0" smtClean="0"/>
-              <a:t>end </a:t>
+              <a:t>End </a:t>
             </a:r>
             <a:r>
               <a:rPr lang="en-US" dirty="0"/>
@@ -21480,7 +21541,7 @@
           <a:p>
             <a:r>
               <a:rPr lang="en-US" dirty="0" smtClean="0"/>
-              <a:t>user </a:t>
+              <a:t>User </a:t>
             </a:r>
             <a:r>
               <a:rPr lang="en-US" dirty="0"/>
@@ -21495,7 +21556,7 @@
           <a:p>
             <a:r>
               <a:rPr lang="en-US" dirty="0" smtClean="0"/>
-              <a:t>text </a:t>
+              <a:t>Text </a:t>
             </a:r>
             <a:r>
               <a:rPr lang="en-US" dirty="0"/>
@@ -21510,11 +21571,11 @@
           <a:p>
             <a:r>
               <a:rPr lang="en-US" dirty="0" smtClean="0"/>
-              <a:t>call</a:t>
-            </a:r>
-            <a:r>
-              <a:rPr lang="en-US" dirty="0"/>
-              <a:t>/alarm functionality is enabled whenever the application is running. The application is minimized or suspended on the event of a call and then whenever the call stops the application is </a:t>
+              <a:t>Call/alarm </a:t>
+            </a:r>
+            <a:r>
+              <a:rPr lang="en-US" dirty="0"/>
+              <a:t>functionality is enabled whenever the application is running. The application is minimized or suspended on the event of a call and then whenever the call stops the application is </a:t>
             </a:r>
             <a:r>
               <a:rPr lang="en-US" dirty="0" smtClean="0"/>
@@ -21646,7 +21707,7 @@
           <a:p>
             <a:r>
               <a:rPr lang="en-US" dirty="0" smtClean="0"/>
-              <a:t>validation </a:t>
+              <a:t>Validation </a:t>
             </a:r>
             <a:r>
               <a:rPr lang="en-US" dirty="0"/>
@@ -21661,7 +21722,7 @@
           <a:p>
             <a:r>
               <a:rPr lang="en-US" dirty="0" smtClean="0"/>
-              <a:t>verification </a:t>
+              <a:t>Verification </a:t>
             </a:r>
             <a:r>
               <a:rPr lang="en-US" dirty="0"/>
@@ -21671,7 +21732,7 @@
           <a:p>
             <a:r>
               <a:rPr lang="en-US" dirty="0" smtClean="0"/>
-              <a:t>validation </a:t>
+              <a:t>Validation </a:t>
             </a:r>
             <a:r>
               <a:rPr lang="en-US" dirty="0"/>
@@ -21837,7 +21898,7 @@
           <a:noFill/>
           <a:extLst>
             <a:ext uri="{909E8E84-426E-40dd-AFC4-6F175D3DCCD1}">
-              <a14:hiddenFill xmlns:a14="http://schemas.microsoft.com/office/drawing/2010/main" xmlns="">
+              <a14:hiddenFill xmlns="" xmlns:a14="http://schemas.microsoft.com/office/drawing/2010/main">
                 <a:solidFill>
                   <a:srgbClr val="FFFFFF"/>
                 </a:solidFill>
@@ -21954,7 +22015,7 @@
         <p:spPr/>
         <p:txBody>
           <a:bodyPr>
-            <a:normAutofit lnSpcReduction="10000"/>
+            <a:normAutofit/>
           </a:bodyPr>
           <a:lstStyle/>
           <a:p>
@@ -22033,18 +22094,6 @@
               <a:t>procedures</a:t>
             </a:r>
             <a:endParaRPr lang="en-US" dirty="0"/>
-          </a:p>
-          <a:p>
-            <a:r>
-              <a:rPr lang="en-US" dirty="0"/>
-              <a:t>Check Unmapped keys</a:t>
-            </a:r>
-          </a:p>
-          <a:p>
-            <a:r>
-              <a:rPr lang="en-US" dirty="0"/>
-              <a:t>Check application splash screen</a:t>
-            </a:r>
           </a:p>
         </p:txBody>
       </p:sp>
@@ -22279,6 +22328,387 @@
       </p:grpSpPr>
       <p:sp>
         <p:nvSpPr>
+          <p:cNvPr id="2" name="Title 1"/>
+          <p:cNvSpPr>
+            <a:spLocks noGrp="1"/>
+          </p:cNvSpPr>
+          <p:nvPr>
+            <p:ph type="title"/>
+          </p:nvPr>
+        </p:nvSpPr>
+        <p:spPr/>
+        <p:txBody>
+          <a:bodyPr/>
+          <a:lstStyle/>
+          <a:p>
+            <a:r>
+              <a:rPr lang="en-US" dirty="0"/>
+              <a:t>Manual or Automated Mobile App Testing Tools</a:t>
+            </a:r>
+          </a:p>
+        </p:txBody>
+      </p:sp>
+      <p:sp>
+        <p:nvSpPr>
+          <p:cNvPr id="3" name="Content Placeholder 2"/>
+          <p:cNvSpPr>
+            <a:spLocks noGrp="1"/>
+          </p:cNvSpPr>
+          <p:nvPr>
+            <p:ph idx="1"/>
+          </p:nvPr>
+        </p:nvSpPr>
+        <p:spPr/>
+        <p:txBody>
+          <a:bodyPr/>
+          <a:lstStyle/>
+          <a:p>
+            <a:r>
+              <a:rPr lang="en-US" dirty="0"/>
+              <a:t>Both manual and automated testing are widespread and can provide good results. </a:t>
+            </a:r>
+            <a:endParaRPr lang="en-US" dirty="0" smtClean="0"/>
+          </a:p>
+          <a:p>
+            <a:r>
+              <a:rPr lang="en-US" dirty="0" smtClean="0"/>
+              <a:t>The </a:t>
+            </a:r>
+            <a:r>
+              <a:rPr lang="en-US" dirty="0"/>
+              <a:t>choice should be based on the company’s preferences and capabilities.</a:t>
+            </a:r>
+          </a:p>
+          <a:p>
+            <a:r>
+              <a:rPr lang="en-US" dirty="0" smtClean="0"/>
+              <a:t>Somebody </a:t>
+            </a:r>
+            <a:r>
+              <a:rPr lang="en-US" dirty="0"/>
+              <a:t>may think that manual testing will be entirely replaced by test automation, but it is not true. </a:t>
+            </a:r>
+            <a:endParaRPr lang="en-US" dirty="0" smtClean="0"/>
+          </a:p>
+          <a:p>
+            <a:r>
+              <a:rPr lang="en-US" dirty="0" smtClean="0"/>
+              <a:t>Moreover</a:t>
+            </a:r>
+            <a:r>
+              <a:rPr lang="en-US" dirty="0"/>
+              <a:t>, there are certain situations when manual control is a better option.</a:t>
+            </a:r>
+          </a:p>
+        </p:txBody>
+      </p:sp>
+    </p:spTree>
+    <p:extLst>
+      <p:ext uri="{BB962C8B-B14F-4D97-AF65-F5344CB8AC3E}">
+        <p14:creationId xmlns:p14="http://schemas.microsoft.com/office/powerpoint/2010/main" val="322717587"/>
+      </p:ext>
+    </p:extLst>
+  </p:cSld>
+  <p:clrMapOvr>
+    <a:masterClrMapping/>
+  </p:clrMapOvr>
+</p:sld>
+</file>
+
+<file path=ppt/slides/slide73.xml><?xml version="1.0" encoding="utf-8"?>
+<p:sld xmlns:a="http://schemas.openxmlformats.org/drawingml/2006/main" xmlns:r="http://schemas.openxmlformats.org/officeDocument/2006/relationships" xmlns:p="http://schemas.openxmlformats.org/presentationml/2006/main">
+  <p:cSld>
+    <p:spTree>
+      <p:nvGrpSpPr>
+        <p:cNvPr id="1" name=""/>
+        <p:cNvGrpSpPr/>
+        <p:nvPr/>
+      </p:nvGrpSpPr>
+      <p:grpSpPr>
+        <a:xfrm>
+          <a:off x="0" y="0"/>
+          <a:ext cx="0" cy="0"/>
+          <a:chOff x="0" y="0"/>
+          <a:chExt cx="0" cy="0"/>
+        </a:xfrm>
+      </p:grpSpPr>
+      <p:sp>
+        <p:nvSpPr>
+          <p:cNvPr id="2" name="Title 1"/>
+          <p:cNvSpPr>
+            <a:spLocks noGrp="1"/>
+          </p:cNvSpPr>
+          <p:nvPr>
+            <p:ph type="title"/>
+          </p:nvPr>
+        </p:nvSpPr>
+        <p:spPr/>
+        <p:txBody>
+          <a:bodyPr/>
+          <a:lstStyle/>
+          <a:p>
+            <a:r>
+              <a:rPr lang="en-US" dirty="0" smtClean="0"/>
+              <a:t>Manual vs Automated Mobile App Testing</a:t>
+            </a:r>
+            <a:endParaRPr lang="en-US" dirty="0"/>
+          </a:p>
+        </p:txBody>
+      </p:sp>
+      <p:sp>
+        <p:nvSpPr>
+          <p:cNvPr id="3" name="Content Placeholder 2"/>
+          <p:cNvSpPr>
+            <a:spLocks noGrp="1"/>
+          </p:cNvSpPr>
+          <p:nvPr>
+            <p:ph idx="1"/>
+          </p:nvPr>
+        </p:nvSpPr>
+        <p:spPr/>
+        <p:txBody>
+          <a:bodyPr/>
+          <a:lstStyle/>
+          <a:p>
+            <a:endParaRPr lang="en-US" dirty="0"/>
+          </a:p>
+        </p:txBody>
+      </p:sp>
+      <p:pic>
+        <p:nvPicPr>
+          <p:cNvPr id="3074" name="Picture 2" descr="Manual-vs-automated-mobile-app-testing-photo"/>
+          <p:cNvPicPr>
+            <a:picLocks noChangeAspect="1" noChangeArrowheads="1"/>
+          </p:cNvPicPr>
+          <p:nvPr/>
+        </p:nvPicPr>
+        <p:blipFill rotWithShape="1">
+          <a:blip r:embed="rId2">
+            <a:grayscl/>
+            <a:extLst>
+              <a:ext uri="{28A0092B-C50C-407E-A947-70E740481C1C}">
+                <a14:useLocalDpi xmlns:a14="http://schemas.microsoft.com/office/drawing/2010/main" val="0"/>
+              </a:ext>
+            </a:extLst>
+          </a:blip>
+          <a:srcRect t="16884" b="21248"/>
+          <a:stretch/>
+        </p:blipFill>
+        <p:spPr bwMode="auto">
+          <a:xfrm>
+            <a:off x="845688" y="1631947"/>
+            <a:ext cx="9753600" cy="4295955"/>
+          </a:xfrm>
+          <a:prstGeom prst="rect">
+            <a:avLst/>
+          </a:prstGeom>
+          <a:noFill/>
+          <a:extLst>
+            <a:ext uri="{909E8E84-426E-40DD-AFC4-6F175D3DCCD1}">
+              <a14:hiddenFill xmlns:a14="http://schemas.microsoft.com/office/drawing/2010/main">
+                <a:solidFill>
+                  <a:srgbClr val="FFFFFF"/>
+                </a:solidFill>
+              </a14:hiddenFill>
+            </a:ext>
+          </a:extLst>
+        </p:spPr>
+      </p:pic>
+    </p:spTree>
+    <p:extLst>
+      <p:ext uri="{BB962C8B-B14F-4D97-AF65-F5344CB8AC3E}">
+        <p14:creationId xmlns:p14="http://schemas.microsoft.com/office/powerpoint/2010/main" val="38549554"/>
+      </p:ext>
+    </p:extLst>
+  </p:cSld>
+  <p:clrMapOvr>
+    <a:masterClrMapping/>
+  </p:clrMapOvr>
+</p:sld>
+</file>
+
+<file path=ppt/slides/slide74.xml><?xml version="1.0" encoding="utf-8"?>
+<p:sld xmlns:a="http://schemas.openxmlformats.org/drawingml/2006/main" xmlns:r="http://schemas.openxmlformats.org/officeDocument/2006/relationships" xmlns:p="http://schemas.openxmlformats.org/presentationml/2006/main">
+  <p:cSld>
+    <p:spTree>
+      <p:nvGrpSpPr>
+        <p:cNvPr id="1" name=""/>
+        <p:cNvGrpSpPr/>
+        <p:nvPr/>
+      </p:nvGrpSpPr>
+      <p:grpSpPr>
+        <a:xfrm>
+          <a:off x="0" y="0"/>
+          <a:ext cx="0" cy="0"/>
+          <a:chOff x="0" y="0"/>
+          <a:chExt cx="0" cy="0"/>
+        </a:xfrm>
+      </p:grpSpPr>
+      <p:sp>
+        <p:nvSpPr>
+          <p:cNvPr id="2" name="Title 1"/>
+          <p:cNvSpPr>
+            <a:spLocks noGrp="1"/>
+          </p:cNvSpPr>
+          <p:nvPr>
+            <p:ph type="title"/>
+          </p:nvPr>
+        </p:nvSpPr>
+        <p:spPr/>
+        <p:txBody>
+          <a:bodyPr/>
+          <a:lstStyle/>
+          <a:p>
+            <a:r>
+              <a:rPr lang="en-US" dirty="0" smtClean="0"/>
+              <a:t>Universal Mobile Testing Tools </a:t>
+            </a:r>
+            <a:endParaRPr lang="en-US" dirty="0"/>
+          </a:p>
+        </p:txBody>
+      </p:sp>
+      <p:sp>
+        <p:nvSpPr>
+          <p:cNvPr id="3" name="Content Placeholder 2"/>
+          <p:cNvSpPr>
+            <a:spLocks noGrp="1"/>
+          </p:cNvSpPr>
+          <p:nvPr>
+            <p:ph idx="1"/>
+          </p:nvPr>
+        </p:nvSpPr>
+        <p:spPr/>
+        <p:txBody>
+          <a:bodyPr>
+            <a:normAutofit/>
+          </a:bodyPr>
+          <a:lstStyle/>
+          <a:p>
+            <a:r>
+              <a:rPr lang="en-US" dirty="0"/>
+              <a:t>There are universal testing tools suitable for </a:t>
+            </a:r>
+            <a:r>
+              <a:rPr lang="en-US" dirty="0" smtClean="0"/>
+              <a:t>Android and iOS solutions.</a:t>
+            </a:r>
+          </a:p>
+          <a:p>
+            <a:r>
+              <a:rPr lang="en-US" dirty="0" smtClean="0"/>
+              <a:t>Some </a:t>
+            </a:r>
+            <a:r>
+              <a:rPr lang="en-US" dirty="0"/>
+              <a:t>examples are:</a:t>
+            </a:r>
+          </a:p>
+          <a:p>
+            <a:pPr lvl="1"/>
+            <a:r>
+              <a:rPr lang="en-US" dirty="0" smtClean="0"/>
+              <a:t>Eggplant </a:t>
+            </a:r>
+            <a:r>
+              <a:rPr lang="en-US" dirty="0"/>
+              <a:t>— an industry-leading test automation and monitoring platform.</a:t>
+            </a:r>
+          </a:p>
+          <a:p>
+            <a:pPr lvl="1"/>
+            <a:r>
+              <a:rPr lang="en-US" dirty="0" err="1"/>
+              <a:t>Ranorex</a:t>
+            </a:r>
+            <a:r>
+              <a:rPr lang="en-US" dirty="0"/>
+              <a:t> — an automated tool for mobile, web and desktop solutions.</a:t>
+            </a:r>
+          </a:p>
+          <a:p>
+            <a:pPr lvl="1"/>
+            <a:r>
+              <a:rPr lang="en-US" dirty="0" err="1"/>
+              <a:t>Appium</a:t>
+            </a:r>
+            <a:r>
+              <a:rPr lang="en-US" dirty="0"/>
+              <a:t> — an open-source test automation framework for mobile native, hybrid and web solutions.</a:t>
+            </a:r>
+          </a:p>
+          <a:p>
+            <a:pPr lvl="1"/>
+            <a:r>
+              <a:rPr lang="en-US" dirty="0" err="1"/>
+              <a:t>Kobiton</a:t>
+            </a:r>
+            <a:r>
+              <a:rPr lang="en-US" dirty="0"/>
+              <a:t> — an AI-powered tool for manual and automated testing.</a:t>
+            </a:r>
+          </a:p>
+          <a:p>
+            <a:r>
+              <a:rPr lang="en-US" dirty="0"/>
+              <a:t>There are also tools specifically used for Android- only or iOS-only apps.</a:t>
+            </a:r>
+          </a:p>
+          <a:p>
+            <a:pPr lvl="1"/>
+            <a:r>
+              <a:rPr lang="en-US" dirty="0" err="1" smtClean="0"/>
+              <a:t>Selendroid</a:t>
+            </a:r>
+            <a:r>
+              <a:rPr lang="en-US" dirty="0" smtClean="0"/>
+              <a:t> </a:t>
+            </a:r>
+            <a:r>
+              <a:rPr lang="en-US" dirty="0"/>
+              <a:t>— a test automation framework for native or hybrid Android apps.</a:t>
+            </a:r>
+          </a:p>
+          <a:p>
+            <a:pPr lvl="1"/>
+            <a:r>
+              <a:rPr lang="en-US" dirty="0"/>
+              <a:t>iOS Driver — an open-source tool for iOS native, hybrid, or mobile web solutions.</a:t>
+            </a:r>
+          </a:p>
+        </p:txBody>
+      </p:sp>
+    </p:spTree>
+    <p:extLst>
+      <p:ext uri="{BB962C8B-B14F-4D97-AF65-F5344CB8AC3E}">
+        <p14:creationId xmlns:p14="http://schemas.microsoft.com/office/powerpoint/2010/main" val="1048625025"/>
+      </p:ext>
+    </p:extLst>
+  </p:cSld>
+  <p:clrMapOvr>
+    <a:masterClrMapping/>
+  </p:clrMapOvr>
+</p:sld>
+</file>
+
+<file path=ppt/slides/slide75.xml><?xml version="1.0" encoding="utf-8"?>
+<p:sld xmlns:a="http://schemas.openxmlformats.org/drawingml/2006/main" xmlns:r="http://schemas.openxmlformats.org/officeDocument/2006/relationships" xmlns:p="http://schemas.openxmlformats.org/presentationml/2006/main">
+  <p:cSld>
+    <p:spTree>
+      <p:nvGrpSpPr>
+        <p:cNvPr id="1" name=""/>
+        <p:cNvGrpSpPr/>
+        <p:nvPr/>
+      </p:nvGrpSpPr>
+      <p:grpSpPr>
+        <a:xfrm>
+          <a:off x="0" y="0"/>
+          <a:ext cx="0" cy="0"/>
+          <a:chOff x="0" y="0"/>
+          <a:chExt cx="0" cy="0"/>
+        </a:xfrm>
+      </p:grpSpPr>
+      <p:sp>
+        <p:nvSpPr>
           <p:cNvPr id="2" name="Title 1">
             <a:extLst>
               <a:ext uri="{FF2B5EF4-FFF2-40B4-BE49-F238E27FC236}">
@@ -22420,7 +22850,7 @@
           <a:p>
             <a:fld id="{B543A0FD-1CA6-4228-86A2-78061B4844C8}" type="slidenum">
               <a:rPr lang="en-US" smtClean="0"/>
-              <a:t>72</a:t>
+              <a:t>75</a:t>
             </a:fld>
             <a:endParaRPr lang="en-US"/>
           </a:p>
@@ -22672,7 +23102,7 @@
           <a:noFill/>
           <a:extLst>
             <a:ext uri="{909E8E84-426E-40dd-AFC4-6F175D3DCCD1}">
-              <a14:hiddenFill xmlns:a14="http://schemas.microsoft.com/office/drawing/2010/main" xmlns="">
+              <a14:hiddenFill xmlns="" xmlns:a14="http://schemas.microsoft.com/office/drawing/2010/main">
                 <a:solidFill>
                   <a:srgbClr val="FFFFFF"/>
                 </a:solidFill>
@@ -22906,7 +23336,7 @@
           <a:noFill/>
           <a:extLst>
             <a:ext uri="{909E8E84-426E-40dd-AFC4-6F175D3DCCD1}">
-              <a14:hiddenFill xmlns:a14="http://schemas.microsoft.com/office/drawing/2010/main" xmlns="">
+              <a14:hiddenFill xmlns="" xmlns:a14="http://schemas.microsoft.com/office/drawing/2010/main">
                 <a:solidFill>
                   <a:srgbClr val="FFFFFF"/>
                 </a:solidFill>
